--- a/0_Projektorga/MeetingWeickgenannt_04_06.pptx
+++ b/0_Projektorga/MeetingWeickgenannt_04_06.pptx
@@ -13,7 +13,7 @@
   <p:sldIdLst>
     <p:sldId id="256" r:id="rId2"/>
     <p:sldId id="262" r:id="rId3"/>
-    <p:sldId id="283" r:id="rId4"/>
+    <p:sldId id="282" r:id="rId4"/>
     <p:sldId id="281" r:id="rId5"/>
   </p:sldIdLst>
   <p:sldSz cx="12192000" cy="6858000"/>
@@ -129,7 +129,7 @@
           <p14:sldIdLst>
             <p14:sldId id="256"/>
             <p14:sldId id="262"/>
-            <p14:sldId id="283"/>
+            <p14:sldId id="282"/>
           </p14:sldIdLst>
         </p14:section>
         <p14:section name="Information" id="{C99C9A4B-26FF-4EB2-A52A-D2E7BB9F5EAF}">
@@ -243,7 +243,7 @@
           <a:p>
             <a:fld id="{ACA0CCB3-15BC-4C05-A575-2DCFEA290779}" type="datetimeFigureOut">
               <a:rPr lang="en-US" smtClean="0"/>
-              <a:t>4/5/22</a:t>
+              <a:t>4/6/2022</a:t>
             </a:fld>
             <a:endParaRPr lang="en-US"/>
           </a:p>
@@ -460,7 +460,7 @@
             <a:fld id="{ACA0CCB3-15BC-4C05-A575-2DCFEA290779}" type="datetimeFigureOut">
               <a:rPr lang="en-US" noProof="0" smtClean="0"/>
               <a:pPr/>
-              <a:t>4/5/22</a:t>
+              <a:t>4/6/2022</a:t>
             </a:fld>
             <a:endParaRPr lang="en-US" noProof="0"/>
           </a:p>
@@ -1608,7 +1608,7 @@
           <a:p>
             <a:fld id="{1F7D62A1-1022-45FC-8F4C-401AA1E60FB2}" type="datetime1">
               <a:rPr lang="en-US" noProof="0" smtClean="0"/>
-              <a:t>4/5/22</a:t>
+              <a:t>4/6/2022</a:t>
             </a:fld>
             <a:endParaRPr lang="en-US" noProof="0"/>
           </a:p>
@@ -1753,7 +1753,7 @@
           <a:p>
             <a:fld id="{DA69DA01-1F37-4081-BD2F-192C13199E1D}" type="datetime1">
               <a:rPr lang="en-US" noProof="0" smtClean="0"/>
-              <a:t>4/5/22</a:t>
+              <a:t>4/6/2022</a:t>
             </a:fld>
             <a:endParaRPr lang="en-US" noProof="0"/>
           </a:p>
@@ -2208,7 +2208,7 @@
           <a:p>
             <a:fld id="{DA69DA01-1F37-4081-BD2F-192C13199E1D}" type="datetime1">
               <a:rPr lang="en-US" noProof="0" smtClean="0"/>
-              <a:t>4/5/22</a:t>
+              <a:t>4/6/2022</a:t>
             </a:fld>
             <a:endParaRPr lang="en-US" noProof="0"/>
           </a:p>
@@ -2703,7 +2703,7 @@
           <a:p>
             <a:fld id="{3B171B55-A9F0-4352-B4F6-063BC8274E8D}" type="datetime1">
               <a:rPr lang="en-US" noProof="0" smtClean="0"/>
-              <a:t>4/5/22</a:t>
+              <a:t>4/6/2022</a:t>
             </a:fld>
             <a:endParaRPr lang="en-US" noProof="0"/>
           </a:p>
@@ -3235,7 +3235,7 @@
           <a:p>
             <a:fld id="{88958738-E210-4CBF-B313-79F19D651CFC}" type="datetime1">
               <a:rPr lang="en-US" noProof="0" smtClean="0"/>
-              <a:t>4/5/22</a:t>
+              <a:t>4/6/2022</a:t>
             </a:fld>
             <a:endParaRPr lang="en-US" noProof="0"/>
           </a:p>
@@ -3844,7 +3844,7 @@
           <a:p>
             <a:fld id="{E909C3CB-F559-4548-8DB2-B16CBFBE1B35}" type="datetime1">
               <a:rPr lang="en-US" noProof="0" smtClean="0"/>
-              <a:t>4/5/22</a:t>
+              <a:t>4/6/2022</a:t>
             </a:fld>
             <a:endParaRPr lang="en-US" noProof="0"/>
           </a:p>
@@ -4607,7 +4607,7 @@
           <a:p>
             <a:fld id="{88958738-E210-4CBF-B313-79F19D651CFC}" type="datetime1">
               <a:rPr lang="en-US" noProof="0" smtClean="0"/>
-              <a:t>4/5/22</a:t>
+              <a:t>4/6/2022</a:t>
             </a:fld>
             <a:endParaRPr lang="en-US" noProof="0"/>
           </a:p>
@@ -5716,7 +5716,7 @@
           <a:p>
             <a:fld id="{4C6707E2-6AED-4BDE-9798-21D74701382F}" type="datetime1">
               <a:rPr lang="en-US" noProof="0" smtClean="0"/>
-              <a:t>4/5/22</a:t>
+              <a:t>4/6/2022</a:t>
             </a:fld>
             <a:endParaRPr lang="en-US" noProof="0"/>
           </a:p>
@@ -6056,7 +6056,7 @@
           <a:p>
             <a:fld id="{D67A8C11-0CB9-4E68-A82B-2689FA16F007}" type="datetime1">
               <a:rPr lang="en-US" noProof="0" smtClean="0"/>
-              <a:t>4/5/22</a:t>
+              <a:t>4/6/2022</a:t>
             </a:fld>
             <a:endParaRPr lang="en-US" noProof="0"/>
           </a:p>
@@ -6303,7 +6303,7 @@
           <a:p>
             <a:fld id="{D67A8C11-0CB9-4E68-A82B-2689FA16F007}" type="datetime1">
               <a:rPr lang="en-US" noProof="0" smtClean="0"/>
-              <a:t>4/5/22</a:t>
+              <a:t>4/6/2022</a:t>
             </a:fld>
             <a:endParaRPr lang="en-US" noProof="0"/>
           </a:p>
@@ -6507,7 +6507,7 @@
           <a:p>
             <a:fld id="{896C533A-22BC-450A-9894-80CD50BD34D1}" type="datetime1">
               <a:rPr lang="en-US" noProof="0" smtClean="0"/>
-              <a:t>4/5/22</a:t>
+              <a:t>4/6/2022</a:t>
             </a:fld>
             <a:endParaRPr lang="en-US" noProof="0"/>
           </a:p>
@@ -7183,7 +7183,7 @@
           <a:p>
             <a:fld id="{66E7D378-6DE5-4D5B-B62D-4EA5C8C63254}" type="datetime1">
               <a:rPr lang="en-US" noProof="0" smtClean="0"/>
-              <a:t>4/5/22</a:t>
+              <a:t>4/6/2022</a:t>
             </a:fld>
             <a:endParaRPr lang="en-US" noProof="0"/>
           </a:p>
@@ -7328,7 +7328,7 @@
           <a:p>
             <a:fld id="{3D1A3D56-8D4F-4D1B-BAB4-732D8B286584}" type="datetime1">
               <a:rPr lang="en-US" noProof="0" smtClean="0"/>
-              <a:t>4/5/22</a:t>
+              <a:t>4/6/2022</a:t>
             </a:fld>
             <a:endParaRPr lang="en-US" noProof="0"/>
           </a:p>
@@ -8342,7 +8342,7 @@
           <a:p>
             <a:fld id="{99AE3937-712A-4072-A259-118EDAC19726}" type="datetime1">
               <a:rPr lang="en-US" noProof="0" smtClean="0"/>
-              <a:t>4/5/22</a:t>
+              <a:t>4/6/2022</a:t>
             </a:fld>
             <a:endParaRPr lang="en-US" noProof="0"/>
           </a:p>
@@ -8551,7 +8551,7 @@
           <a:p>
             <a:fld id="{312EA755-E45C-4268-B479-98BC6F2A4060}" type="datetime1">
               <a:rPr lang="en-US" noProof="0" smtClean="0"/>
-              <a:t>4/5/22</a:t>
+              <a:t>4/6/2022</a:t>
             </a:fld>
             <a:endParaRPr lang="en-US" noProof="0"/>
           </a:p>
@@ -8975,7 +8975,7 @@
           <a:p>
             <a:fld id="{896C533A-22BC-450A-9894-80CD50BD34D1}" type="datetime1">
               <a:rPr lang="en-US" noProof="0" smtClean="0"/>
-              <a:t>4/5/22</a:t>
+              <a:t>4/6/2022</a:t>
             </a:fld>
             <a:endParaRPr lang="en-US" noProof="0"/>
           </a:p>
@@ -9314,7 +9314,7 @@
           <a:p>
             <a:fld id="{60C5CD5E-89A6-44F3-8B82-118736FA2921}" type="datetime1">
               <a:rPr lang="en-US" noProof="0" smtClean="0"/>
-              <a:t>4/5/22</a:t>
+              <a:t>4/6/2022</a:t>
             </a:fld>
             <a:endParaRPr lang="en-US" noProof="0"/>
           </a:p>
@@ -9692,7 +9692,7 @@
           <a:p>
             <a:fld id="{470CBAC5-DBF8-4593-AA00-62DBAF18880A}" type="datetime1">
               <a:rPr lang="en-US" noProof="0" smtClean="0"/>
-              <a:t>4/5/22</a:t>
+              <a:t>4/6/2022</a:t>
             </a:fld>
             <a:endParaRPr lang="en-US" noProof="0"/>
           </a:p>
@@ -10070,7 +10070,7 @@
           <a:p>
             <a:fld id="{EFA014BB-C5BD-4055-AF3B-E32DCCB61496}" type="datetime1">
               <a:rPr lang="en-US" noProof="0" smtClean="0"/>
-              <a:t>4/5/22</a:t>
+              <a:t>4/6/2022</a:t>
             </a:fld>
             <a:endParaRPr lang="en-US" noProof="0"/>
           </a:p>
@@ -10487,7 +10487,7 @@
           <a:p>
             <a:fld id="{DA69DA01-1F37-4081-BD2F-192C13199E1D}" type="datetime1">
               <a:rPr lang="en-US" noProof="0" smtClean="0"/>
-              <a:t>4/5/22</a:t>
+              <a:t>4/6/2022</a:t>
             </a:fld>
             <a:endParaRPr lang="en-US" noProof="0"/>
           </a:p>
@@ -13570,7 +13570,7 @@
           <a:p>
             <a:fld id="{D67A8C11-0CB9-4E68-A82B-2689FA16F007}" type="datetime1">
               <a:rPr lang="en-US" noProof="0" smtClean="0"/>
-              <a:t>4/5/22</a:t>
+              <a:t>4/6/2022</a:t>
             </a:fld>
             <a:endParaRPr lang="en-US" noProof="0"/>
           </a:p>
@@ -15975,170 +15975,693 @@
       </p:grpSpPr>
       <p:sp>
         <p:nvSpPr>
-          <p:cNvPr id="2" name="Bildplatzhalter 1">
-            <a:extLst>
-              <a:ext uri="{FF2B5EF4-FFF2-40B4-BE49-F238E27FC236}">
-                <a16:creationId xmlns:a16="http://schemas.microsoft.com/office/drawing/2014/main" id="{C809C8EC-CD27-8741-9432-4412EB34BF93}"/>
-              </a:ext>
-            </a:extLst>
-          </p:cNvPr>
-          <p:cNvSpPr>
-            <a:spLocks noGrp="1"/>
-          </p:cNvSpPr>
-          <p:nvPr>
-            <p:ph type="pic" sz="quarter" idx="13"/>
-          </p:nvPr>
-        </p:nvSpPr>
-        <p:spPr/>
-      </p:sp>
-      <p:sp>
-        <p:nvSpPr>
-          <p:cNvPr id="3" name="Titel 2">
-            <a:extLst>
-              <a:ext uri="{FF2B5EF4-FFF2-40B4-BE49-F238E27FC236}">
-                <a16:creationId xmlns:a16="http://schemas.microsoft.com/office/drawing/2014/main" id="{A196CC29-2F65-8F48-BD8C-A6DCF83444FD}"/>
-              </a:ext>
-            </a:extLst>
-          </p:cNvPr>
-          <p:cNvSpPr>
-            <a:spLocks noGrp="1"/>
-          </p:cNvSpPr>
-          <p:nvPr>
-            <p:ph type="ctrTitle"/>
-          </p:nvPr>
-        </p:nvSpPr>
-        <p:spPr/>
-        <p:txBody>
-          <a:bodyPr/>
+          <p:cNvPr id="3" name="Foliennummernplatzhalter 2">
+            <a:extLst>
+              <a:ext uri="{FF2B5EF4-FFF2-40B4-BE49-F238E27FC236}">
+                <a16:creationId xmlns:a16="http://schemas.microsoft.com/office/drawing/2014/main" id="{276F2C61-E3EF-4DCC-8213-D079D99F5E89}"/>
+              </a:ext>
+            </a:extLst>
+          </p:cNvPr>
+          <p:cNvSpPr>
+            <a:spLocks noGrp="1"/>
+          </p:cNvSpPr>
+          <p:nvPr>
+            <p:ph type="sldNum" sz="quarter" idx="16"/>
+          </p:nvPr>
+        </p:nvSpPr>
+        <p:spPr>
+          <a:xfrm>
+            <a:off x="10920102" y="6453188"/>
+            <a:ext cx="540061" cy="404812"/>
+          </a:xfrm>
+        </p:spPr>
+        <p:txBody>
+          <a:bodyPr wrap="none" anchor="t">
+            <a:normAutofit/>
+          </a:bodyPr>
           <a:lstStyle/>
           <a:p>
-            <a:endParaRPr lang="de-DE"/>
-          </a:p>
-        </p:txBody>
-      </p:sp>
-      <p:sp>
-        <p:nvSpPr>
-          <p:cNvPr id="4" name="Untertitel 3">
-            <a:extLst>
-              <a:ext uri="{FF2B5EF4-FFF2-40B4-BE49-F238E27FC236}">
-                <a16:creationId xmlns:a16="http://schemas.microsoft.com/office/drawing/2014/main" id="{48FCD2A9-8A81-3449-9C44-EFC71005FF75}"/>
-              </a:ext>
-            </a:extLst>
-          </p:cNvPr>
-          <p:cNvSpPr>
-            <a:spLocks noGrp="1"/>
-          </p:cNvSpPr>
-          <p:nvPr>
-            <p:ph type="subTitle" idx="1"/>
-          </p:nvPr>
-        </p:nvSpPr>
-        <p:spPr/>
-        <p:txBody>
-          <a:bodyPr/>
-          <a:lstStyle/>
-          <a:p>
-            <a:endParaRPr lang="de-DE"/>
-          </a:p>
-        </p:txBody>
-      </p:sp>
-      <p:sp>
-        <p:nvSpPr>
-          <p:cNvPr id="5" name="Medienplatzhalter 4">
-            <a:extLst>
-              <a:ext uri="{FF2B5EF4-FFF2-40B4-BE49-F238E27FC236}">
-                <a16:creationId xmlns:a16="http://schemas.microsoft.com/office/drawing/2014/main" id="{C5A59201-D157-814C-B9CB-32F40A77218F}"/>
-              </a:ext>
-            </a:extLst>
-          </p:cNvPr>
-          <p:cNvSpPr>
-            <a:spLocks noGrp="1"/>
-          </p:cNvSpPr>
-          <p:nvPr>
-            <p:ph type="media" sz="quarter" idx="14"/>
-          </p:nvPr>
-        </p:nvSpPr>
-        <p:spPr/>
-      </p:sp>
-      <p:sp>
-        <p:nvSpPr>
-          <p:cNvPr id="6" name="Fußzeilenplatzhalter 5">
-            <a:extLst>
-              <a:ext uri="{FF2B5EF4-FFF2-40B4-BE49-F238E27FC236}">
-                <a16:creationId xmlns:a16="http://schemas.microsoft.com/office/drawing/2014/main" id="{F123770B-11D9-A64E-A81C-FF939079A95A}"/>
-              </a:ext>
-            </a:extLst>
-          </p:cNvPr>
-          <p:cNvSpPr>
-            <a:spLocks noGrp="1"/>
-          </p:cNvSpPr>
-          <p:nvPr>
-            <p:ph type="ftr" sz="quarter" idx="16"/>
-          </p:nvPr>
-        </p:nvSpPr>
-        <p:spPr/>
-        <p:txBody>
-          <a:bodyPr/>
-          <a:lstStyle/>
-          <a:p>
-            <a:r>
-              <a:rPr lang="en-US" noProof="0"/>
-              <a:t>Presentation Title, Speaker, Location</a:t>
-            </a:r>
-          </a:p>
-        </p:txBody>
-      </p:sp>
-      <p:sp>
-        <p:nvSpPr>
-          <p:cNvPr id="7" name="Foliennummernplatzhalter 6">
-            <a:extLst>
-              <a:ext uri="{FF2B5EF4-FFF2-40B4-BE49-F238E27FC236}">
-                <a16:creationId xmlns:a16="http://schemas.microsoft.com/office/drawing/2014/main" id="{1ACFF73F-5885-8D49-B13C-9F7E3EC4F5EB}"/>
-              </a:ext>
-            </a:extLst>
-          </p:cNvPr>
-          <p:cNvSpPr>
-            <a:spLocks noGrp="1"/>
-          </p:cNvSpPr>
-          <p:nvPr>
-            <p:ph type="sldNum" sz="quarter" idx="17"/>
-          </p:nvPr>
-        </p:nvSpPr>
-        <p:spPr/>
-        <p:txBody>
-          <a:bodyPr/>
-          <a:lstStyle/>
-          <a:p>
+            <a:pPr>
+              <a:spcAft>
+                <a:spcPts val="600"/>
+              </a:spcAft>
+            </a:pPr>
             <a:fld id="{226D7710-438E-4161-93C9-3F9A4222BCCB}" type="slidenum">
               <a:rPr lang="en-US" noProof="0" smtClean="0"/>
-              <a:pPr/>
+              <a:pPr>
+                <a:spcAft>
+                  <a:spcPts val="600"/>
+                </a:spcAft>
+              </a:pPr>
               <a:t>3</a:t>
             </a:fld>
             <a:endParaRPr lang="en-US" noProof="0"/>
           </a:p>
         </p:txBody>
       </p:sp>
+      <p:sp>
+        <p:nvSpPr>
+          <p:cNvPr id="33" name="Text Placeholder 3">
+            <a:extLst>
+              <a:ext uri="{FF2B5EF4-FFF2-40B4-BE49-F238E27FC236}">
+                <a16:creationId xmlns:a16="http://schemas.microsoft.com/office/drawing/2014/main" id="{321451A2-DF0D-C945-ECF2-0853630F76B4}"/>
+              </a:ext>
+            </a:extLst>
+          </p:cNvPr>
+          <p:cNvSpPr>
+            <a:spLocks noGrp="1"/>
+          </p:cNvSpPr>
+          <p:nvPr>
+            <p:ph type="body" sz="quarter" idx="17"/>
+          </p:nvPr>
+        </p:nvSpPr>
+        <p:spPr>
+          <a:xfrm>
+            <a:off x="6546055" y="1356809"/>
+            <a:ext cx="4427539" cy="4608512"/>
+          </a:xfrm>
+        </p:spPr>
+        <p:txBody>
+          <a:bodyPr/>
+          <a:lstStyle/>
+          <a:p>
+            <a:pPr lvl="1"/>
+            <a:r>
+              <a:rPr lang="en-US" dirty="0"/>
+              <a:t>Für </a:t>
+            </a:r>
+            <a:r>
+              <a:rPr lang="en-US" dirty="0" err="1"/>
+              <a:t>eine</a:t>
+            </a:r>
+            <a:r>
+              <a:rPr lang="en-US" dirty="0"/>
+              <a:t> </a:t>
+            </a:r>
+            <a:r>
+              <a:rPr lang="en-US" dirty="0" err="1"/>
+              <a:t>Fahrt</a:t>
+            </a:r>
+            <a:r>
+              <a:rPr lang="en-US" dirty="0"/>
+              <a:t> von X </a:t>
+            </a:r>
+            <a:r>
+              <a:rPr lang="en-US" dirty="0" err="1"/>
+              <a:t>nach</a:t>
+            </a:r>
+            <a:r>
+              <a:rPr lang="en-US" dirty="0"/>
+              <a:t> Y gilt:</a:t>
+            </a:r>
+          </a:p>
+          <a:p>
+            <a:endParaRPr lang="en-US" dirty="0"/>
+          </a:p>
+          <a:p>
+            <a:pPr lvl="2"/>
+            <a:r>
+              <a:rPr lang="en-US" dirty="0"/>
+              <a:t>Die </a:t>
+            </a:r>
+            <a:r>
+              <a:rPr lang="en-US" dirty="0" err="1"/>
+              <a:t>Geschwindigkeit</a:t>
+            </a:r>
+            <a:r>
+              <a:rPr lang="en-US" dirty="0"/>
+              <a:t> in </a:t>
+            </a:r>
+            <a:r>
+              <a:rPr lang="en-US" dirty="0" err="1"/>
+              <a:t>Abschnitt</a:t>
+            </a:r>
+            <a:r>
+              <a:rPr lang="en-US" dirty="0"/>
+              <a:t> Y = 0</a:t>
+            </a:r>
+          </a:p>
+          <a:p>
+            <a:pPr marL="0" lvl="2" indent="0">
+              <a:buNone/>
+            </a:pPr>
+            <a:endParaRPr lang="en-US" dirty="0"/>
+          </a:p>
+          <a:p>
+            <a:pPr lvl="2"/>
+            <a:r>
+              <a:rPr lang="en-US" dirty="0"/>
+              <a:t>Die </a:t>
+            </a:r>
+            <a:r>
+              <a:rPr lang="en-US" dirty="0" err="1"/>
+              <a:t>Geschwindigkeit</a:t>
+            </a:r>
+            <a:r>
+              <a:rPr lang="en-US" dirty="0"/>
+              <a:t> </a:t>
+            </a:r>
+            <a:r>
+              <a:rPr lang="en-US" dirty="0" err="1"/>
+              <a:t>im</a:t>
+            </a:r>
+            <a:r>
+              <a:rPr lang="en-US" dirty="0"/>
+              <a:t> </a:t>
+            </a:r>
+            <a:r>
+              <a:rPr lang="en-US" dirty="0" err="1"/>
+              <a:t>vorletzten</a:t>
+            </a:r>
+            <a:r>
+              <a:rPr lang="en-US" dirty="0"/>
+              <a:t> </a:t>
+            </a:r>
+            <a:r>
+              <a:rPr lang="en-US" dirty="0" err="1"/>
+              <a:t>Abschnitt</a:t>
+            </a:r>
+            <a:r>
+              <a:rPr lang="en-US" dirty="0"/>
+              <a:t> max. 50%</a:t>
+            </a:r>
+          </a:p>
+          <a:p>
+            <a:pPr marL="0" lvl="2" indent="0">
+              <a:buNone/>
+            </a:pPr>
+            <a:endParaRPr lang="en-US" dirty="0"/>
+          </a:p>
+          <a:p>
+            <a:pPr lvl="2"/>
+            <a:r>
+              <a:rPr lang="en-US" dirty="0"/>
+              <a:t>Die </a:t>
+            </a:r>
+            <a:r>
+              <a:rPr lang="en-US" dirty="0" err="1"/>
+              <a:t>Geschwindigkeit</a:t>
+            </a:r>
+            <a:r>
+              <a:rPr lang="en-US" dirty="0"/>
+              <a:t> in </a:t>
+            </a:r>
+            <a:r>
+              <a:rPr lang="en-US" dirty="0" err="1"/>
+              <a:t>Abschnitt</a:t>
+            </a:r>
+            <a:r>
+              <a:rPr lang="en-US" dirty="0"/>
+              <a:t> X max. die </a:t>
+            </a:r>
+            <a:r>
+              <a:rPr lang="en-US" dirty="0" err="1"/>
+              <a:t>Geschwindigkeit</a:t>
+            </a:r>
+            <a:r>
+              <a:rPr lang="en-US" dirty="0"/>
+              <a:t> des 2. </a:t>
+            </a:r>
+            <a:r>
+              <a:rPr lang="en-US" dirty="0" err="1"/>
+              <a:t>Abschnitts</a:t>
+            </a:r>
+            <a:endParaRPr lang="en-US" dirty="0"/>
+          </a:p>
+          <a:p>
+            <a:pPr marL="0" lvl="2" indent="0">
+              <a:buNone/>
+            </a:pPr>
+            <a:endParaRPr lang="en-US" dirty="0"/>
+          </a:p>
+          <a:p>
+            <a:pPr lvl="2"/>
+            <a:r>
+              <a:rPr lang="en-US" dirty="0"/>
+              <a:t>Die </a:t>
+            </a:r>
+            <a:r>
+              <a:rPr lang="en-US" dirty="0" err="1"/>
+              <a:t>restlichen</a:t>
+            </a:r>
+            <a:r>
+              <a:rPr lang="en-US" dirty="0"/>
+              <a:t> </a:t>
+            </a:r>
+            <a:r>
+              <a:rPr lang="en-US" dirty="0" err="1"/>
+              <a:t>Abschnitte</a:t>
+            </a:r>
+            <a:r>
+              <a:rPr lang="en-US" dirty="0"/>
+              <a:t> </a:t>
+            </a:r>
+            <a:r>
+              <a:rPr lang="en-US" dirty="0" err="1"/>
+              <a:t>ihre</a:t>
+            </a:r>
+            <a:r>
+              <a:rPr lang="en-US" dirty="0"/>
+              <a:t> </a:t>
+            </a:r>
+            <a:r>
+              <a:rPr lang="en-US" dirty="0" err="1"/>
+              <a:t>vordefinierte</a:t>
+            </a:r>
+            <a:r>
+              <a:rPr lang="en-US" dirty="0"/>
+              <a:t> </a:t>
+            </a:r>
+            <a:r>
+              <a:rPr lang="en-US" dirty="0" err="1"/>
+              <a:t>Geschwindigkeit</a:t>
+            </a:r>
+            <a:endParaRPr lang="en-US" dirty="0"/>
+          </a:p>
+        </p:txBody>
+      </p:sp>
+      <p:pic>
+        <p:nvPicPr>
+          <p:cNvPr id="4" name="Grafik 3">
+            <a:extLst>
+              <a:ext uri="{FF2B5EF4-FFF2-40B4-BE49-F238E27FC236}">
+                <a16:creationId xmlns:a16="http://schemas.microsoft.com/office/drawing/2014/main" id="{F701E302-ECBD-49CA-AE68-6224A4EFC382}"/>
+              </a:ext>
+            </a:extLst>
+          </p:cNvPr>
+          <p:cNvPicPr>
+            <a:picLocks noChangeAspect="1"/>
+          </p:cNvPicPr>
+          <p:nvPr/>
+        </p:nvPicPr>
+        <p:blipFill rotWithShape="1">
+          <a:blip r:embed="rId2"/>
+          <a:srcRect b="16742"/>
+          <a:stretch/>
+        </p:blipFill>
+        <p:spPr>
+          <a:xfrm>
+            <a:off x="704031" y="1338875"/>
+            <a:ext cx="5327649" cy="4608512"/>
+          </a:xfrm>
+          <a:prstGeom prst="rect">
+            <a:avLst/>
+          </a:prstGeom>
+          <a:noFill/>
+        </p:spPr>
+      </p:pic>
+      <p:sp>
+        <p:nvSpPr>
+          <p:cNvPr id="5" name="Titel 4">
+            <a:extLst>
+              <a:ext uri="{FF2B5EF4-FFF2-40B4-BE49-F238E27FC236}">
+                <a16:creationId xmlns:a16="http://schemas.microsoft.com/office/drawing/2014/main" id="{F7F1DC0A-56EA-4D99-A407-8D52E25E6DED}"/>
+              </a:ext>
+            </a:extLst>
+          </p:cNvPr>
+          <p:cNvSpPr>
+            <a:spLocks noGrp="1"/>
+          </p:cNvSpPr>
+          <p:nvPr>
+            <p:ph type="title"/>
+          </p:nvPr>
+        </p:nvSpPr>
+        <p:spPr>
+          <a:xfrm>
+            <a:off x="731838" y="473074"/>
+            <a:ext cx="8027987" cy="360000"/>
+          </a:xfrm>
+        </p:spPr>
+        <p:txBody>
+          <a:bodyPr anchor="t">
+            <a:normAutofit/>
+          </a:bodyPr>
+          <a:lstStyle/>
+          <a:p>
+            <a:r>
+              <a:rPr lang="de-DE" dirty="0"/>
+              <a:t>2. Entwicklung der Fahrfunktion</a:t>
+            </a:r>
+          </a:p>
+        </p:txBody>
+      </p:sp>
     </p:spTree>
     <p:extLst>
       <p:ext uri="{BB962C8B-B14F-4D97-AF65-F5344CB8AC3E}">
-        <p14:creationId xmlns:p14="http://schemas.microsoft.com/office/powerpoint/2010/main" val="2208267449"/>
+        <p14:creationId xmlns:p14="http://schemas.microsoft.com/office/powerpoint/2010/main" val="470554064"/>
       </p:ext>
     </p:extLst>
   </p:cSld>
   <p:clrMapOvr>
     <a:masterClrMapping/>
   </p:clrMapOvr>
-  <mc:AlternateContent xmlns:mc="http://schemas.openxmlformats.org/markup-compatibility/2006" xmlns:p14="http://schemas.microsoft.com/office/powerpoint/2010/main">
-    <mc:Choice Requires="p14">
+  <mc:AlternateContent xmlns:mc="http://schemas.openxmlformats.org/markup-compatibility/2006">
+    <mc:Choice xmlns:p14="http://schemas.microsoft.com/office/powerpoint/2010/main" Requires="p14">
       <p:transition spd="med" p14:dur="700">
         <p:fade/>
       </p:transition>
     </mc:Choice>
-    <mc:Fallback xmlns="">
+    <mc:Fallback>
       <p:transition spd="med">
         <p:fade/>
       </p:transition>
     </mc:Fallback>
   </mc:AlternateContent>
+  <p:timing>
+    <p:tnLst>
+      <p:par>
+        <p:cTn id="1" dur="indefinite" restart="never" nodeType="tmRoot">
+          <p:childTnLst>
+            <p:seq concurrent="1" nextAc="seek">
+              <p:cTn id="2" dur="indefinite" nodeType="mainSeq">
+                <p:childTnLst>
+                  <p:par>
+                    <p:cTn id="3" fill="hold">
+                      <p:stCondLst>
+                        <p:cond delay="indefinite"/>
+                      </p:stCondLst>
+                      <p:childTnLst>
+                        <p:par>
+                          <p:cTn id="4" fill="hold">
+                            <p:stCondLst>
+                              <p:cond delay="0"/>
+                            </p:stCondLst>
+                            <p:childTnLst>
+                              <p:par>
+                                <p:cTn id="5" presetID="10" presetClass="entr" presetSubtype="0" fill="hold" nodeType="clickEffect">
+                                  <p:stCondLst>
+                                    <p:cond delay="0"/>
+                                  </p:stCondLst>
+                                  <p:childTnLst>
+                                    <p:set>
+                                      <p:cBhvr>
+                                        <p:cTn id="6" dur="1" fill="hold">
+                                          <p:stCondLst>
+                                            <p:cond delay="0"/>
+                                          </p:stCondLst>
+                                        </p:cTn>
+                                        <p:tgtEl>
+                                          <p:spTgt spid="33">
+                                            <p:txEl>
+                                              <p:pRg st="0" end="0"/>
+                                            </p:txEl>
+                                          </p:spTgt>
+                                        </p:tgtEl>
+                                        <p:attrNameLst>
+                                          <p:attrName>style.visibility</p:attrName>
+                                        </p:attrNameLst>
+                                      </p:cBhvr>
+                                      <p:to>
+                                        <p:strVal val="visible"/>
+                                      </p:to>
+                                    </p:set>
+                                    <p:animEffect transition="in" filter="fade">
+                                      <p:cBhvr>
+                                        <p:cTn id="7" dur="500"/>
+                                        <p:tgtEl>
+                                          <p:spTgt spid="33">
+                                            <p:txEl>
+                                              <p:pRg st="0" end="0"/>
+                                            </p:txEl>
+                                          </p:spTgt>
+                                        </p:tgtEl>
+                                      </p:cBhvr>
+                                    </p:animEffect>
+                                  </p:childTnLst>
+                                </p:cTn>
+                              </p:par>
+                            </p:childTnLst>
+                          </p:cTn>
+                        </p:par>
+                      </p:childTnLst>
+                    </p:cTn>
+                  </p:par>
+                  <p:par>
+                    <p:cTn id="8" fill="hold">
+                      <p:stCondLst>
+                        <p:cond delay="indefinite"/>
+                      </p:stCondLst>
+                      <p:childTnLst>
+                        <p:par>
+                          <p:cTn id="9" fill="hold">
+                            <p:stCondLst>
+                              <p:cond delay="0"/>
+                            </p:stCondLst>
+                            <p:childTnLst>
+                              <p:par>
+                                <p:cTn id="10" presetID="10" presetClass="entr" presetSubtype="0" fill="hold" nodeType="clickEffect">
+                                  <p:stCondLst>
+                                    <p:cond delay="0"/>
+                                  </p:stCondLst>
+                                  <p:childTnLst>
+                                    <p:set>
+                                      <p:cBhvr>
+                                        <p:cTn id="11" dur="1" fill="hold">
+                                          <p:stCondLst>
+                                            <p:cond delay="0"/>
+                                          </p:stCondLst>
+                                        </p:cTn>
+                                        <p:tgtEl>
+                                          <p:spTgt spid="33">
+                                            <p:txEl>
+                                              <p:pRg st="2" end="2"/>
+                                            </p:txEl>
+                                          </p:spTgt>
+                                        </p:tgtEl>
+                                        <p:attrNameLst>
+                                          <p:attrName>style.visibility</p:attrName>
+                                        </p:attrNameLst>
+                                      </p:cBhvr>
+                                      <p:to>
+                                        <p:strVal val="visible"/>
+                                      </p:to>
+                                    </p:set>
+                                    <p:animEffect transition="in" filter="fade">
+                                      <p:cBhvr>
+                                        <p:cTn id="12" dur="500"/>
+                                        <p:tgtEl>
+                                          <p:spTgt spid="33">
+                                            <p:txEl>
+                                              <p:pRg st="2" end="2"/>
+                                            </p:txEl>
+                                          </p:spTgt>
+                                        </p:tgtEl>
+                                      </p:cBhvr>
+                                    </p:animEffect>
+                                  </p:childTnLst>
+                                </p:cTn>
+                              </p:par>
+                            </p:childTnLst>
+                          </p:cTn>
+                        </p:par>
+                      </p:childTnLst>
+                    </p:cTn>
+                  </p:par>
+                  <p:par>
+                    <p:cTn id="13" fill="hold">
+                      <p:stCondLst>
+                        <p:cond delay="indefinite"/>
+                      </p:stCondLst>
+                      <p:childTnLst>
+                        <p:par>
+                          <p:cTn id="14" fill="hold">
+                            <p:stCondLst>
+                              <p:cond delay="0"/>
+                            </p:stCondLst>
+                            <p:childTnLst>
+                              <p:par>
+                                <p:cTn id="15" presetID="10" presetClass="entr" presetSubtype="0" fill="hold" nodeType="clickEffect">
+                                  <p:stCondLst>
+                                    <p:cond delay="0"/>
+                                  </p:stCondLst>
+                                  <p:childTnLst>
+                                    <p:set>
+                                      <p:cBhvr>
+                                        <p:cTn id="16" dur="1" fill="hold">
+                                          <p:stCondLst>
+                                            <p:cond delay="0"/>
+                                          </p:stCondLst>
+                                        </p:cTn>
+                                        <p:tgtEl>
+                                          <p:spTgt spid="33">
+                                            <p:txEl>
+                                              <p:pRg st="4" end="4"/>
+                                            </p:txEl>
+                                          </p:spTgt>
+                                        </p:tgtEl>
+                                        <p:attrNameLst>
+                                          <p:attrName>style.visibility</p:attrName>
+                                        </p:attrNameLst>
+                                      </p:cBhvr>
+                                      <p:to>
+                                        <p:strVal val="visible"/>
+                                      </p:to>
+                                    </p:set>
+                                    <p:animEffect transition="in" filter="fade">
+                                      <p:cBhvr>
+                                        <p:cTn id="17" dur="500"/>
+                                        <p:tgtEl>
+                                          <p:spTgt spid="33">
+                                            <p:txEl>
+                                              <p:pRg st="4" end="4"/>
+                                            </p:txEl>
+                                          </p:spTgt>
+                                        </p:tgtEl>
+                                      </p:cBhvr>
+                                    </p:animEffect>
+                                  </p:childTnLst>
+                                </p:cTn>
+                              </p:par>
+                            </p:childTnLst>
+                          </p:cTn>
+                        </p:par>
+                      </p:childTnLst>
+                    </p:cTn>
+                  </p:par>
+                  <p:par>
+                    <p:cTn id="18" fill="hold">
+                      <p:stCondLst>
+                        <p:cond delay="indefinite"/>
+                      </p:stCondLst>
+                      <p:childTnLst>
+                        <p:par>
+                          <p:cTn id="19" fill="hold">
+                            <p:stCondLst>
+                              <p:cond delay="0"/>
+                            </p:stCondLst>
+                            <p:childTnLst>
+                              <p:par>
+                                <p:cTn id="20" presetID="10" presetClass="entr" presetSubtype="0" fill="hold" nodeType="clickEffect">
+                                  <p:stCondLst>
+                                    <p:cond delay="0"/>
+                                  </p:stCondLst>
+                                  <p:childTnLst>
+                                    <p:set>
+                                      <p:cBhvr>
+                                        <p:cTn id="21" dur="1" fill="hold">
+                                          <p:stCondLst>
+                                            <p:cond delay="0"/>
+                                          </p:stCondLst>
+                                        </p:cTn>
+                                        <p:tgtEl>
+                                          <p:spTgt spid="33">
+                                            <p:txEl>
+                                              <p:pRg st="6" end="6"/>
+                                            </p:txEl>
+                                          </p:spTgt>
+                                        </p:tgtEl>
+                                        <p:attrNameLst>
+                                          <p:attrName>style.visibility</p:attrName>
+                                        </p:attrNameLst>
+                                      </p:cBhvr>
+                                      <p:to>
+                                        <p:strVal val="visible"/>
+                                      </p:to>
+                                    </p:set>
+                                    <p:animEffect transition="in" filter="fade">
+                                      <p:cBhvr>
+                                        <p:cTn id="22" dur="500"/>
+                                        <p:tgtEl>
+                                          <p:spTgt spid="33">
+                                            <p:txEl>
+                                              <p:pRg st="6" end="6"/>
+                                            </p:txEl>
+                                          </p:spTgt>
+                                        </p:tgtEl>
+                                      </p:cBhvr>
+                                    </p:animEffect>
+                                  </p:childTnLst>
+                                </p:cTn>
+                              </p:par>
+                            </p:childTnLst>
+                          </p:cTn>
+                        </p:par>
+                      </p:childTnLst>
+                    </p:cTn>
+                  </p:par>
+                  <p:par>
+                    <p:cTn id="23" fill="hold">
+                      <p:stCondLst>
+                        <p:cond delay="indefinite"/>
+                      </p:stCondLst>
+                      <p:childTnLst>
+                        <p:par>
+                          <p:cTn id="24" fill="hold">
+                            <p:stCondLst>
+                              <p:cond delay="0"/>
+                            </p:stCondLst>
+                            <p:childTnLst>
+                              <p:par>
+                                <p:cTn id="25" presetID="10" presetClass="entr" presetSubtype="0" fill="hold" nodeType="clickEffect">
+                                  <p:stCondLst>
+                                    <p:cond delay="0"/>
+                                  </p:stCondLst>
+                                  <p:childTnLst>
+                                    <p:set>
+                                      <p:cBhvr>
+                                        <p:cTn id="26" dur="1" fill="hold">
+                                          <p:stCondLst>
+                                            <p:cond delay="0"/>
+                                          </p:stCondLst>
+                                        </p:cTn>
+                                        <p:tgtEl>
+                                          <p:spTgt spid="33">
+                                            <p:txEl>
+                                              <p:pRg st="8" end="8"/>
+                                            </p:txEl>
+                                          </p:spTgt>
+                                        </p:tgtEl>
+                                        <p:attrNameLst>
+                                          <p:attrName>style.visibility</p:attrName>
+                                        </p:attrNameLst>
+                                      </p:cBhvr>
+                                      <p:to>
+                                        <p:strVal val="visible"/>
+                                      </p:to>
+                                    </p:set>
+                                    <p:animEffect transition="in" filter="fade">
+                                      <p:cBhvr>
+                                        <p:cTn id="27" dur="500"/>
+                                        <p:tgtEl>
+                                          <p:spTgt spid="33">
+                                            <p:txEl>
+                                              <p:pRg st="8" end="8"/>
+                                            </p:txEl>
+                                          </p:spTgt>
+                                        </p:tgtEl>
+                                      </p:cBhvr>
+                                    </p:animEffect>
+                                  </p:childTnLst>
+                                </p:cTn>
+                              </p:par>
+                            </p:childTnLst>
+                          </p:cTn>
+                        </p:par>
+                      </p:childTnLst>
+                    </p:cTn>
+                  </p:par>
+                </p:childTnLst>
+              </p:cTn>
+              <p:prevCondLst>
+                <p:cond evt="onPrev" delay="0">
+                  <p:tgtEl>
+                    <p:sldTgt/>
+                  </p:tgtEl>
+                </p:cond>
+              </p:prevCondLst>
+              <p:nextCondLst>
+                <p:cond evt="onNext" delay="0">
+                  <p:tgtEl>
+                    <p:sldTgt/>
+                  </p:tgtEl>
+                </p:cond>
+              </p:nextCondLst>
+            </p:seq>
+          </p:childTnLst>
+        </p:cTn>
+      </p:par>
+    </p:tnLst>
+  </p:timing>
 </p:sld>
 </file>
 
